--- a/Documents/KevinKuo-COSC800-FinalPresentation.pptx
+++ b/Documents/KevinKuo-COSC800-FinalPresentation.pptx
@@ -112,6 +112,11 @@
       </a:defRPr>
     </a:lvl9pPr>
   </p:defaultTextStyle>
+  <p:extLst>
+    <p:ext uri="{EFAFB233-063F-42B5-8137-9DF3F51BA10A}">
+      <p15:sldGuideLst xmlns:p15="http://schemas.microsoft.com/office/powerpoint/2012/main"/>
+    </p:ext>
+  </p:extLst>
 </p:presentation>
 </file>
 
@@ -300,7 +305,7 @@
           <a:p>
             <a:fld id="{B700167E-9E73-4C2A-A048-8E37606158E0}" type="datetimeFigureOut">
               <a:rPr lang="en-US" smtClean="0"/>
-              <a:t>12/17/2018</a:t>
+              <a:t>12/18/2018</a:t>
             </a:fld>
             <a:endParaRPr lang="en-US"/>
           </a:p>
@@ -598,7 +603,7 @@
           <a:p>
             <a:fld id="{B700167E-9E73-4C2A-A048-8E37606158E0}" type="datetimeFigureOut">
               <a:rPr lang="en-US" smtClean="0"/>
-              <a:t>12/17/2018</a:t>
+              <a:t>12/18/2018</a:t>
             </a:fld>
             <a:endParaRPr lang="en-US"/>
           </a:p>
@@ -790,7 +795,7 @@
           <a:p>
             <a:fld id="{B700167E-9E73-4C2A-A048-8E37606158E0}" type="datetimeFigureOut">
               <a:rPr lang="en-US" smtClean="0"/>
-              <a:t>12/17/2018</a:t>
+              <a:t>12/18/2018</a:t>
             </a:fld>
             <a:endParaRPr lang="en-US"/>
           </a:p>
@@ -1051,7 +1056,7 @@
           <a:p>
             <a:fld id="{B700167E-9E73-4C2A-A048-8E37606158E0}" type="datetimeFigureOut">
               <a:rPr lang="en-US" smtClean="0"/>
-              <a:t>12/17/2018</a:t>
+              <a:t>12/18/2018</a:t>
             </a:fld>
             <a:endParaRPr lang="en-US"/>
           </a:p>
@@ -1475,7 +1480,7 @@
           <a:p>
             <a:fld id="{B700167E-9E73-4C2A-A048-8E37606158E0}" type="datetimeFigureOut">
               <a:rPr lang="en-US" smtClean="0"/>
-              <a:t>12/17/2018</a:t>
+              <a:t>12/18/2018</a:t>
             </a:fld>
             <a:endParaRPr lang="en-US"/>
           </a:p>
@@ -2012,7 +2017,7 @@
           <a:p>
             <a:fld id="{B700167E-9E73-4C2A-A048-8E37606158E0}" type="datetimeFigureOut">
               <a:rPr lang="en-US" smtClean="0"/>
-              <a:t>12/17/2018</a:t>
+              <a:t>12/18/2018</a:t>
             </a:fld>
             <a:endParaRPr lang="en-US"/>
           </a:p>
@@ -2876,7 +2881,7 @@
           <a:p>
             <a:fld id="{B700167E-9E73-4C2A-A048-8E37606158E0}" type="datetimeFigureOut">
               <a:rPr lang="en-US" smtClean="0"/>
-              <a:t>12/17/2018</a:t>
+              <a:t>12/18/2018</a:t>
             </a:fld>
             <a:endParaRPr lang="en-US"/>
           </a:p>
@@ -3046,7 +3051,7 @@
           <a:p>
             <a:fld id="{B700167E-9E73-4C2A-A048-8E37606158E0}" type="datetimeFigureOut">
               <a:rPr lang="en-US" smtClean="0"/>
-              <a:t>12/17/2018</a:t>
+              <a:t>12/18/2018</a:t>
             </a:fld>
             <a:endParaRPr lang="en-US"/>
           </a:p>
@@ -3230,7 +3235,7 @@
           <a:p>
             <a:fld id="{B700167E-9E73-4C2A-A048-8E37606158E0}" type="datetimeFigureOut">
               <a:rPr lang="en-US" smtClean="0"/>
-              <a:t>12/17/2018</a:t>
+              <a:t>12/18/2018</a:t>
             </a:fld>
             <a:endParaRPr lang="en-US"/>
           </a:p>
@@ -3400,7 +3405,7 @@
           <a:p>
             <a:fld id="{B700167E-9E73-4C2A-A048-8E37606158E0}" type="datetimeFigureOut">
               <a:rPr lang="en-US" smtClean="0"/>
-              <a:t>12/17/2018</a:t>
+              <a:t>12/18/2018</a:t>
             </a:fld>
             <a:endParaRPr lang="en-US"/>
           </a:p>
@@ -3644,7 +3649,7 @@
           <a:p>
             <a:fld id="{B700167E-9E73-4C2A-A048-8E37606158E0}" type="datetimeFigureOut">
               <a:rPr lang="en-US" smtClean="0"/>
-              <a:t>12/17/2018</a:t>
+              <a:t>12/18/2018</a:t>
             </a:fld>
             <a:endParaRPr lang="en-US"/>
           </a:p>
@@ -3880,7 +3885,7 @@
           <a:p>
             <a:fld id="{B700167E-9E73-4C2A-A048-8E37606158E0}" type="datetimeFigureOut">
               <a:rPr lang="en-US" smtClean="0"/>
-              <a:t>12/17/2018</a:t>
+              <a:t>12/18/2018</a:t>
             </a:fld>
             <a:endParaRPr lang="en-US"/>
           </a:p>
@@ -4346,7 +4351,7 @@
           <a:p>
             <a:fld id="{B700167E-9E73-4C2A-A048-8E37606158E0}" type="datetimeFigureOut">
               <a:rPr lang="en-US" smtClean="0"/>
-              <a:t>12/17/2018</a:t>
+              <a:t>12/18/2018</a:t>
             </a:fld>
             <a:endParaRPr lang="en-US"/>
           </a:p>
@@ -4464,7 +4469,7 @@
           <a:p>
             <a:fld id="{B700167E-9E73-4C2A-A048-8E37606158E0}" type="datetimeFigureOut">
               <a:rPr lang="en-US" smtClean="0"/>
-              <a:t>12/17/2018</a:t>
+              <a:t>12/18/2018</a:t>
             </a:fld>
             <a:endParaRPr lang="en-US"/>
           </a:p>
@@ -4559,7 +4564,7 @@
           <a:p>
             <a:fld id="{B700167E-9E73-4C2A-A048-8E37606158E0}" type="datetimeFigureOut">
               <a:rPr lang="en-US" smtClean="0"/>
-              <a:t>12/17/2018</a:t>
+              <a:t>12/18/2018</a:t>
             </a:fld>
             <a:endParaRPr lang="en-US"/>
           </a:p>
@@ -4814,7 +4819,7 @@
           <a:p>
             <a:fld id="{B700167E-9E73-4C2A-A048-8E37606158E0}" type="datetimeFigureOut">
               <a:rPr lang="en-US" smtClean="0"/>
-              <a:t>12/17/2018</a:t>
+              <a:t>12/18/2018</a:t>
             </a:fld>
             <a:endParaRPr lang="en-US"/>
           </a:p>
@@ -5114,7 +5119,7 @@
           <a:p>
             <a:fld id="{B700167E-9E73-4C2A-A048-8E37606158E0}" type="datetimeFigureOut">
               <a:rPr lang="en-US" smtClean="0"/>
-              <a:t>12/17/2018</a:t>
+              <a:t>12/18/2018</a:t>
             </a:fld>
             <a:endParaRPr lang="en-US"/>
           </a:p>
@@ -5348,7 +5353,7 @@
           <a:p>
             <a:fld id="{B700167E-9E73-4C2A-A048-8E37606158E0}" type="datetimeFigureOut">
               <a:rPr lang="en-US" smtClean="0"/>
-              <a:t>12/17/2018</a:t>
+              <a:t>12/18/2018</a:t>
             </a:fld>
             <a:endParaRPr lang="en-US"/>
           </a:p>
@@ -6249,14 +6254,13 @@
           <a:p>
             <a:r>
               <a:rPr lang="en-US" dirty="0" smtClean="0"/>
-              <a:t>Future Work</a:t>
-            </a:r>
-          </a:p>
-          <a:p>
+              <a:t>Future </a:t>
+            </a:r>
             <a:r>
               <a:rPr lang="en-US" dirty="0" smtClean="0"/>
-              <a:t>Considerations</a:t>
-            </a:r>
+              <a:t>Work/Considerations</a:t>
+            </a:r>
+            <a:endParaRPr lang="en-US" dirty="0" smtClean="0"/>
           </a:p>
           <a:p>
             <a:r>
@@ -6489,7 +6493,7 @@
           <a:p>
             <a:pPr lvl="1"/>
             <a:r>
-              <a:rPr lang="en-US" smtClean="0"/>
+              <a:rPr lang="en-US" dirty="0" err="1" smtClean="0"/>
               <a:t>ZWave</a:t>
             </a:r>
             <a:endParaRPr lang="en-US" dirty="0" smtClean="0"/>
@@ -6545,6 +6549,94 @@
           </a:p>
         </p:txBody>
       </p:sp>
+      <p:pic>
+        <p:nvPicPr>
+          <p:cNvPr id="4" name="Picture 3"/>
+          <p:cNvPicPr/>
+          <p:nvPr/>
+        </p:nvPicPr>
+        <p:blipFill>
+          <a:blip r:embed="rId2"/>
+          <a:stretch>
+            <a:fillRect/>
+          </a:stretch>
+        </p:blipFill>
+        <p:spPr>
+          <a:xfrm>
+            <a:off x="10447865" y="366888"/>
+            <a:ext cx="1308453" cy="2190926"/>
+          </a:xfrm>
+          <a:prstGeom prst="rect">
+            <a:avLst/>
+          </a:prstGeom>
+        </p:spPr>
+      </p:pic>
+      <p:pic>
+        <p:nvPicPr>
+          <p:cNvPr id="5" name="Picture 4" descr="E:\IMG_1487.JPG"/>
+          <p:cNvPicPr/>
+          <p:nvPr/>
+        </p:nvPicPr>
+        <p:blipFill>
+          <a:blip r:embed="rId3" cstate="print">
+            <a:extLst>
+              <a:ext uri="{28A0092B-C50C-407E-A947-70E740481C1C}">
+                <a14:useLocalDpi xmlns:a14="http://schemas.microsoft.com/office/drawing/2010/main" val="0"/>
+              </a:ext>
+            </a:extLst>
+          </a:blip>
+          <a:srcRect/>
+          <a:stretch>
+            <a:fillRect/>
+          </a:stretch>
+        </p:blipFill>
+        <p:spPr bwMode="auto">
+          <a:xfrm>
+            <a:off x="6698261" y="2800526"/>
+            <a:ext cx="5058057" cy="2025540"/>
+          </a:xfrm>
+          <a:prstGeom prst="rect">
+            <a:avLst/>
+          </a:prstGeom>
+          <a:noFill/>
+          <a:ln>
+            <a:noFill/>
+          </a:ln>
+        </p:spPr>
+      </p:pic>
+      <p:pic>
+        <p:nvPicPr>
+          <p:cNvPr id="6" name="Picture 5" descr="E:\IMG_1488.JPG"/>
+          <p:cNvPicPr/>
+          <p:nvPr/>
+        </p:nvPicPr>
+        <p:blipFill>
+          <a:blip r:embed="rId4" cstate="print">
+            <a:extLst>
+              <a:ext uri="{28A0092B-C50C-407E-A947-70E740481C1C}">
+                <a14:useLocalDpi xmlns:a14="http://schemas.microsoft.com/office/drawing/2010/main" val="0"/>
+              </a:ext>
+            </a:extLst>
+          </a:blip>
+          <a:srcRect/>
+          <a:stretch>
+            <a:fillRect/>
+          </a:stretch>
+        </p:blipFill>
+        <p:spPr bwMode="auto">
+          <a:xfrm>
+            <a:off x="8611909" y="4981222"/>
+            <a:ext cx="1230759" cy="1619956"/>
+          </a:xfrm>
+          <a:prstGeom prst="rect">
+            <a:avLst/>
+          </a:prstGeom>
+          <a:noFill/>
+          <a:ln>
+            <a:noFill/>
+          </a:ln>
+        </p:spPr>
+      </p:pic>
     </p:spTree>
     <p:extLst>
       <p:ext uri="{BB962C8B-B14F-4D97-AF65-F5344CB8AC3E}">
